--- a/rep1/プログラミング基礎演習レポート課題1ヒント.pptx
+++ b/rep1/プログラミング基礎演習レポート課題1ヒント.pptx
@@ -296,7 +296,7 @@
           <a:p>
             <a:fld id="{26DD10DA-D648-EE43-9A96-81DC85B01055}" type="datetimeFigureOut">
               <a:rPr kumimoji="1" lang="ja-JP" altLang="en-US" smtClean="0"/>
-              <a:t>2013/01/02</a:t>
+              <a:t>2013/01/03</a:t>
             </a:fld>
             <a:endParaRPr kumimoji="1" lang="ja-JP" altLang="en-US"/>
           </a:p>
@@ -499,7 +499,7 @@
           <a:p>
             <a:fld id="{26DD10DA-D648-EE43-9A96-81DC85B01055}" type="datetimeFigureOut">
               <a:rPr kumimoji="1" lang="ja-JP" altLang="en-US" smtClean="0"/>
-              <a:t>2013/01/02</a:t>
+              <a:t>2013/01/03</a:t>
             </a:fld>
             <a:endParaRPr kumimoji="1" lang="ja-JP" altLang="en-US"/>
           </a:p>
@@ -711,7 +711,7 @@
           <a:p>
             <a:fld id="{26DD10DA-D648-EE43-9A96-81DC85B01055}" type="datetimeFigureOut">
               <a:rPr kumimoji="1" lang="ja-JP" altLang="en-US" smtClean="0"/>
-              <a:t>2013/01/02</a:t>
+              <a:t>2013/01/03</a:t>
             </a:fld>
             <a:endParaRPr kumimoji="1" lang="ja-JP" altLang="en-US"/>
           </a:p>
@@ -913,7 +913,7 @@
           <a:p>
             <a:fld id="{26DD10DA-D648-EE43-9A96-81DC85B01055}" type="datetimeFigureOut">
               <a:rPr kumimoji="1" lang="ja-JP" altLang="en-US" smtClean="0"/>
-              <a:t>2013/01/02</a:t>
+              <a:t>2013/01/03</a:t>
             </a:fld>
             <a:endParaRPr kumimoji="1" lang="ja-JP" altLang="en-US"/>
           </a:p>
@@ -1159,7 +1159,7 @@
           <a:p>
             <a:fld id="{26DD10DA-D648-EE43-9A96-81DC85B01055}" type="datetimeFigureOut">
               <a:rPr kumimoji="1" lang="ja-JP" altLang="en-US" smtClean="0"/>
-              <a:t>2013/01/02</a:t>
+              <a:t>2013/01/03</a:t>
             </a:fld>
             <a:endParaRPr kumimoji="1" lang="ja-JP" altLang="en-US"/>
           </a:p>
@@ -1512,7 +1512,7 @@
           <a:p>
             <a:fld id="{26DD10DA-D648-EE43-9A96-81DC85B01055}" type="datetimeFigureOut">
               <a:rPr kumimoji="1" lang="ja-JP" altLang="en-US" smtClean="0"/>
-              <a:t>2013/01/02</a:t>
+              <a:t>2013/01/03</a:t>
             </a:fld>
             <a:endParaRPr kumimoji="1" lang="ja-JP" altLang="en-US"/>
           </a:p>
@@ -1998,7 +1998,7 @@
           <a:p>
             <a:fld id="{26DD10DA-D648-EE43-9A96-81DC85B01055}" type="datetimeFigureOut">
               <a:rPr kumimoji="1" lang="ja-JP" altLang="en-US" smtClean="0"/>
-              <a:t>2013/01/02</a:t>
+              <a:t>2013/01/03</a:t>
             </a:fld>
             <a:endParaRPr kumimoji="1" lang="ja-JP" altLang="en-US"/>
           </a:p>
@@ -2116,7 +2116,7 @@
           <a:p>
             <a:fld id="{26DD10DA-D648-EE43-9A96-81DC85B01055}" type="datetimeFigureOut">
               <a:rPr kumimoji="1" lang="ja-JP" altLang="en-US" smtClean="0"/>
-              <a:t>2013/01/02</a:t>
+              <a:t>2013/01/03</a:t>
             </a:fld>
             <a:endParaRPr kumimoji="1" lang="ja-JP" altLang="en-US"/>
           </a:p>
@@ -2211,7 +2211,7 @@
           <a:p>
             <a:fld id="{26DD10DA-D648-EE43-9A96-81DC85B01055}" type="datetimeFigureOut">
               <a:rPr kumimoji="1" lang="ja-JP" altLang="en-US" smtClean="0"/>
-              <a:t>2013/01/02</a:t>
+              <a:t>2013/01/03</a:t>
             </a:fld>
             <a:endParaRPr kumimoji="1" lang="ja-JP" altLang="en-US"/>
           </a:p>
@@ -2520,7 +2520,7 @@
           <a:p>
             <a:fld id="{26DD10DA-D648-EE43-9A96-81DC85B01055}" type="datetimeFigureOut">
               <a:rPr kumimoji="1" lang="ja-JP" altLang="en-US" smtClean="0"/>
-              <a:t>2013/01/02</a:t>
+              <a:t>2013/01/03</a:t>
             </a:fld>
             <a:endParaRPr kumimoji="1" lang="ja-JP" altLang="en-US"/>
           </a:p>
@@ -2773,7 +2773,7 @@
           <a:p>
             <a:fld id="{26DD10DA-D648-EE43-9A96-81DC85B01055}" type="datetimeFigureOut">
               <a:rPr kumimoji="1" lang="ja-JP" altLang="en-US" smtClean="0"/>
-              <a:t>2013/01/02</a:t>
+              <a:t>2013/01/03</a:t>
             </a:fld>
             <a:endParaRPr kumimoji="1" lang="ja-JP" altLang="en-US"/>
           </a:p>
@@ -3018,7 +3018,7 @@
           <a:p>
             <a:fld id="{26DD10DA-D648-EE43-9A96-81DC85B01055}" type="datetimeFigureOut">
               <a:rPr kumimoji="1" lang="ja-JP" altLang="en-US" smtClean="0"/>
-              <a:t>2013/01/02</a:t>
+              <a:t>2013/01/03</a:t>
             </a:fld>
             <a:endParaRPr kumimoji="1" lang="ja-JP" altLang="en-US"/>
           </a:p>
@@ -5892,19 +5892,11 @@
             </a:r>
             <a:r>
               <a:rPr lang="ja-JP" altLang="en-US" sz="2000" dirty="0" smtClean="0"/>
-              <a:t>このとき，追加の関数に渡すのは，単語だけじゃなくて今見て</a:t>
-            </a:r>
-            <a:r>
-              <a:rPr lang="ja-JP" altLang="en-US" sz="2000" smtClean="0"/>
-              <a:t>いる行数</a:t>
-            </a:r>
-            <a:r>
-              <a:rPr lang="en-US" altLang="ja-JP" sz="2000" smtClean="0"/>
-              <a:t>(</a:t>
+              <a:t>このとき，追加の関数に渡すのは，単語だけじゃなくて今見ている行数</a:t>
             </a:r>
             <a:r>
               <a:rPr lang="en-US" altLang="ja-JP" sz="2000" dirty="0" smtClean="0"/>
-              <a:t>body</a:t>
+              <a:t>(body</a:t>
             </a:r>
             <a:r>
               <a:rPr lang="ja-JP" altLang="en-US" sz="2000" dirty="0" smtClean="0"/>
@@ -6006,37 +5998,11 @@
             </a:r>
             <a:r>
               <a:rPr lang="ja-JP" altLang="en-US" sz="2000" dirty="0" smtClean="0"/>
-              <a:t>してもいいし</a:t>
-            </a:r>
-            <a:endParaRPr lang="en-US" altLang="ja-JP" sz="2000" dirty="0" smtClean="0"/>
-          </a:p>
-          <a:p>
-            <a:pPr marL="1371600" lvl="3" indent="0">
-              <a:buNone/>
-            </a:pPr>
-            <a:r>
-              <a:rPr lang="ja-JP" altLang="en-US" sz="2000" dirty="0" smtClean="0"/>
-              <a:t>ちなみに</a:t>
-            </a:r>
-            <a:r>
-              <a:rPr lang="en-US" altLang="ja-JP" sz="2000" dirty="0" smtClean="0"/>
-              <a:t>index</a:t>
-            </a:r>
-            <a:r>
-              <a:rPr lang="ja-JP" altLang="en-US" sz="2000" dirty="0" smtClean="0"/>
-              <a:t>の大きさは</a:t>
-            </a:r>
-            <a:r>
-              <a:rPr lang="en-US" altLang="ja-JP" sz="2000" dirty="0" err="1" smtClean="0"/>
-              <a:t>sizeof</a:t>
-            </a:r>
-            <a:r>
-              <a:rPr lang="en-US" altLang="ja-JP" sz="2000" dirty="0" smtClean="0"/>
-              <a:t>()</a:t>
-            </a:r>
-            <a:r>
-              <a:rPr lang="ja-JP" altLang="en-US" sz="2000" dirty="0" smtClean="0"/>
-              <a:t>を使えば分かる</a:t>
+              <a:t>して</a:t>
+            </a:r>
+            <a:r>
+              <a:rPr lang="ja-JP" altLang="en-US" sz="2000" smtClean="0"/>
+              <a:t>もいい</a:t>
             </a:r>
             <a:endParaRPr lang="en-US" altLang="ja-JP" sz="2000" dirty="0" smtClean="0"/>
           </a:p>
@@ -6758,7 +6724,11 @@
             </a:pPr>
             <a:r>
               <a:rPr kumimoji="1" lang="ja-JP" altLang="en-US" sz="2400" dirty="0" smtClean="0"/>
-              <a:t>　説明のしやすいように線形リスト押しですが，別になんでもいいです。</a:t>
+              <a:t>　説明のしやすいように線形リスト押しですが，別になんでもいい</a:t>
+            </a:r>
+            <a:r>
+              <a:rPr kumimoji="1" lang="ja-JP" altLang="en-US" sz="2400" dirty="0" smtClean="0"/>
+              <a:t>です</a:t>
             </a:r>
             <a:endParaRPr kumimoji="1" lang="en-US" altLang="ja-JP" sz="2400" dirty="0" smtClean="0"/>
           </a:p>
@@ -6778,7 +6748,11 @@
             </a:r>
             <a:r>
               <a:rPr lang="ja-JP" altLang="en-US" sz="2400" dirty="0" smtClean="0"/>
-              <a:t>また，手順はヒントの順じゃなくていいはず。</a:t>
+              <a:t>また，手順はヒントの順じゃなくていい</a:t>
+            </a:r>
+            <a:r>
+              <a:rPr lang="ja-JP" altLang="en-US" sz="2400" dirty="0" smtClean="0"/>
+              <a:t>はず</a:t>
             </a:r>
             <a:endParaRPr lang="en-US" altLang="ja-JP" sz="2400" dirty="0" smtClean="0"/>
           </a:p>
@@ -6794,7 +6768,11 @@
             </a:pPr>
             <a:r>
               <a:rPr lang="ja-JP" altLang="en-US" sz="2400" dirty="0" smtClean="0"/>
-              <a:t>　今まで習った内容の総復習になりそうですね。</a:t>
+              <a:t>　今まで習った内容の総復習になりそうです</a:t>
+            </a:r>
+            <a:r>
+              <a:rPr lang="ja-JP" altLang="en-US" sz="2400" dirty="0" smtClean="0"/>
+              <a:t>ね</a:t>
             </a:r>
             <a:endParaRPr lang="en-US" altLang="ja-JP" sz="2400" dirty="0"/>
           </a:p>
@@ -6826,7 +6804,23 @@
                   <a:srgbClr val="FF0000"/>
                 </a:solidFill>
               </a:rPr>
-              <a:t>ファイル名を指定する部分は省いてますが，忘れずに実装してください。</a:t>
+              <a:t>ファイル名を指定する部分は省いてますが，忘れずに実装</a:t>
+            </a:r>
+            <a:r>
+              <a:rPr lang="ja-JP" altLang="en-US" sz="2400" smtClean="0">
+                <a:solidFill>
+                  <a:srgbClr val="FF0000"/>
+                </a:solidFill>
+              </a:rPr>
+              <a:t>して</a:t>
+            </a:r>
+            <a:r>
+              <a:rPr lang="ja-JP" altLang="en-US" sz="2400" smtClean="0">
+                <a:solidFill>
+                  <a:srgbClr val="FF0000"/>
+                </a:solidFill>
+              </a:rPr>
+              <a:t>ください</a:t>
             </a:r>
             <a:endParaRPr lang="en-US" altLang="ja-JP" sz="2400" dirty="0" smtClean="0">
               <a:solidFill>

--- a/rep1/プログラミング基礎演習レポート課題1ヒント.pptx
+++ b/rep1/プログラミング基礎演習レポート課題1ヒント.pptx
@@ -296,7 +296,7 @@
           <a:p>
             <a:fld id="{26DD10DA-D648-EE43-9A96-81DC85B01055}" type="datetimeFigureOut">
               <a:rPr kumimoji="1" lang="ja-JP" altLang="en-US" smtClean="0"/>
-              <a:t>2013/01/03</a:t>
+              <a:t>2013/02/05</a:t>
             </a:fld>
             <a:endParaRPr kumimoji="1" lang="ja-JP" altLang="en-US"/>
           </a:p>
@@ -499,7 +499,7 @@
           <a:p>
             <a:fld id="{26DD10DA-D648-EE43-9A96-81DC85B01055}" type="datetimeFigureOut">
               <a:rPr kumimoji="1" lang="ja-JP" altLang="en-US" smtClean="0"/>
-              <a:t>2013/01/03</a:t>
+              <a:t>2013/02/05</a:t>
             </a:fld>
             <a:endParaRPr kumimoji="1" lang="ja-JP" altLang="en-US"/>
           </a:p>
@@ -711,7 +711,7 @@
           <a:p>
             <a:fld id="{26DD10DA-D648-EE43-9A96-81DC85B01055}" type="datetimeFigureOut">
               <a:rPr kumimoji="1" lang="ja-JP" altLang="en-US" smtClean="0"/>
-              <a:t>2013/01/03</a:t>
+              <a:t>2013/02/05</a:t>
             </a:fld>
             <a:endParaRPr kumimoji="1" lang="ja-JP" altLang="en-US"/>
           </a:p>
@@ -913,7 +913,7 @@
           <a:p>
             <a:fld id="{26DD10DA-D648-EE43-9A96-81DC85B01055}" type="datetimeFigureOut">
               <a:rPr kumimoji="1" lang="ja-JP" altLang="en-US" smtClean="0"/>
-              <a:t>2013/01/03</a:t>
+              <a:t>2013/02/05</a:t>
             </a:fld>
             <a:endParaRPr kumimoji="1" lang="ja-JP" altLang="en-US"/>
           </a:p>
@@ -1159,7 +1159,7 @@
           <a:p>
             <a:fld id="{26DD10DA-D648-EE43-9A96-81DC85B01055}" type="datetimeFigureOut">
               <a:rPr kumimoji="1" lang="ja-JP" altLang="en-US" smtClean="0"/>
-              <a:t>2013/01/03</a:t>
+              <a:t>2013/02/05</a:t>
             </a:fld>
             <a:endParaRPr kumimoji="1" lang="ja-JP" altLang="en-US"/>
           </a:p>
@@ -1512,7 +1512,7 @@
           <a:p>
             <a:fld id="{26DD10DA-D648-EE43-9A96-81DC85B01055}" type="datetimeFigureOut">
               <a:rPr kumimoji="1" lang="ja-JP" altLang="en-US" smtClean="0"/>
-              <a:t>2013/01/03</a:t>
+              <a:t>2013/02/05</a:t>
             </a:fld>
             <a:endParaRPr kumimoji="1" lang="ja-JP" altLang="en-US"/>
           </a:p>
@@ -1998,7 +1998,7 @@
           <a:p>
             <a:fld id="{26DD10DA-D648-EE43-9A96-81DC85B01055}" type="datetimeFigureOut">
               <a:rPr kumimoji="1" lang="ja-JP" altLang="en-US" smtClean="0"/>
-              <a:t>2013/01/03</a:t>
+              <a:t>2013/02/05</a:t>
             </a:fld>
             <a:endParaRPr kumimoji="1" lang="ja-JP" altLang="en-US"/>
           </a:p>
@@ -2116,7 +2116,7 @@
           <a:p>
             <a:fld id="{26DD10DA-D648-EE43-9A96-81DC85B01055}" type="datetimeFigureOut">
               <a:rPr kumimoji="1" lang="ja-JP" altLang="en-US" smtClean="0"/>
-              <a:t>2013/01/03</a:t>
+              <a:t>2013/02/05</a:t>
             </a:fld>
             <a:endParaRPr kumimoji="1" lang="ja-JP" altLang="en-US"/>
           </a:p>
@@ -2211,7 +2211,7 @@
           <a:p>
             <a:fld id="{26DD10DA-D648-EE43-9A96-81DC85B01055}" type="datetimeFigureOut">
               <a:rPr kumimoji="1" lang="ja-JP" altLang="en-US" smtClean="0"/>
-              <a:t>2013/01/03</a:t>
+              <a:t>2013/02/05</a:t>
             </a:fld>
             <a:endParaRPr kumimoji="1" lang="ja-JP" altLang="en-US"/>
           </a:p>
@@ -2520,7 +2520,7 @@
           <a:p>
             <a:fld id="{26DD10DA-D648-EE43-9A96-81DC85B01055}" type="datetimeFigureOut">
               <a:rPr kumimoji="1" lang="ja-JP" altLang="en-US" smtClean="0"/>
-              <a:t>2013/01/03</a:t>
+              <a:t>2013/02/05</a:t>
             </a:fld>
             <a:endParaRPr kumimoji="1" lang="ja-JP" altLang="en-US"/>
           </a:p>
@@ -2773,7 +2773,7 @@
           <a:p>
             <a:fld id="{26DD10DA-D648-EE43-9A96-81DC85B01055}" type="datetimeFigureOut">
               <a:rPr kumimoji="1" lang="ja-JP" altLang="en-US" smtClean="0"/>
-              <a:t>2013/01/03</a:t>
+              <a:t>2013/02/05</a:t>
             </a:fld>
             <a:endParaRPr kumimoji="1" lang="ja-JP" altLang="en-US"/>
           </a:p>
@@ -3018,7 +3018,7 @@
           <a:p>
             <a:fld id="{26DD10DA-D648-EE43-9A96-81DC85B01055}" type="datetimeFigureOut">
               <a:rPr kumimoji="1" lang="ja-JP" altLang="en-US" smtClean="0"/>
-              <a:t>2013/01/03</a:t>
+              <a:t>2013/02/05</a:t>
             </a:fld>
             <a:endParaRPr kumimoji="1" lang="ja-JP" altLang="en-US"/>
           </a:p>
@@ -3874,7 +3874,7 @@
       </p:sp>
       <p:grpSp>
         <p:nvGrpSpPr>
-          <p:cNvPr id="3" name="図形グループ 2"/>
+          <p:cNvPr id="10" name="図形グループ 9"/>
           <p:cNvGrpSpPr/>
           <p:nvPr/>
         </p:nvGrpSpPr>
@@ -3882,7 +3882,7 @@
           <a:xfrm>
             <a:off x="795956" y="3645063"/>
             <a:ext cx="7702050" cy="2213673"/>
-            <a:chOff x="1188516" y="3844785"/>
+            <a:chOff x="795956" y="3645063"/>
             <a:chExt cx="7702050" cy="2213673"/>
           </a:xfrm>
         </p:grpSpPr>
@@ -3894,7 +3894,7 @@
           </p:nvCxnSpPr>
           <p:spPr>
             <a:xfrm>
-              <a:off x="6195872" y="4369075"/>
+              <a:off x="5803312" y="4169353"/>
               <a:ext cx="652519" cy="0"/>
             </a:xfrm>
             <a:prstGeom prst="straightConnector1">
@@ -3927,7 +3927,7 @@
           </p:nvSpPr>
           <p:spPr>
             <a:xfrm>
-              <a:off x="6648460" y="3844785"/>
+              <a:off x="6255900" y="3645063"/>
               <a:ext cx="1060343" cy="1048579"/>
             </a:xfrm>
             <a:prstGeom prst="cube">
@@ -3980,7 +3980,7 @@
           </p:nvSpPr>
           <p:spPr>
             <a:xfrm>
-              <a:off x="1188516" y="3844786"/>
+              <a:off x="795956" y="3645064"/>
               <a:ext cx="1060343" cy="1048579"/>
             </a:xfrm>
             <a:prstGeom prst="cube">
@@ -4021,7 +4021,7 @@
           </p:nvCxnSpPr>
           <p:spPr>
             <a:xfrm>
-              <a:off x="2074077" y="4369075"/>
+              <a:off x="1681517" y="4169353"/>
               <a:ext cx="652519" cy="0"/>
             </a:xfrm>
             <a:prstGeom prst="straightConnector1">
@@ -4054,7 +4054,7 @@
           </p:nvSpPr>
           <p:spPr>
             <a:xfrm>
-              <a:off x="2576041" y="3844786"/>
+              <a:off x="2183481" y="3645064"/>
               <a:ext cx="1060343" cy="1048579"/>
             </a:xfrm>
             <a:prstGeom prst="cube">
@@ -4103,7 +4103,7 @@
           </p:nvCxnSpPr>
           <p:spPr>
             <a:xfrm>
-              <a:off x="3532437" y="4369075"/>
+              <a:off x="3139877" y="4169353"/>
               <a:ext cx="652519" cy="0"/>
             </a:xfrm>
             <a:prstGeom prst="straightConnector1">
@@ -4136,7 +4136,7 @@
           </p:nvSpPr>
           <p:spPr>
             <a:xfrm>
-              <a:off x="3892730" y="3844786"/>
+              <a:off x="3500170" y="3645064"/>
               <a:ext cx="1060343" cy="1048579"/>
             </a:xfrm>
             <a:prstGeom prst="cube">
@@ -4185,7 +4185,7 @@
           </p:nvCxnSpPr>
           <p:spPr>
             <a:xfrm>
-              <a:off x="4801595" y="4369075"/>
+              <a:off x="4409035" y="4169353"/>
               <a:ext cx="652519" cy="0"/>
             </a:xfrm>
             <a:prstGeom prst="straightConnector1">
@@ -4218,7 +4218,7 @@
           </p:nvSpPr>
           <p:spPr>
             <a:xfrm>
-              <a:off x="5593017" y="4184409"/>
+              <a:off x="5200457" y="3984687"/>
               <a:ext cx="602855" cy="369332"/>
             </a:xfrm>
             <a:prstGeom prst="rect">
@@ -4248,7 +4248,7 @@
           </p:nvSpPr>
           <p:spPr>
             <a:xfrm>
-              <a:off x="2132337" y="5289500"/>
+              <a:off x="1739777" y="5089778"/>
               <a:ext cx="1492394" cy="768958"/>
             </a:xfrm>
             <a:prstGeom prst="wedgeRectCallout">
@@ -4303,7 +4303,7 @@
           </p:nvCxnSpPr>
           <p:spPr>
             <a:xfrm flipH="1">
-              <a:off x="4217947" y="4776861"/>
+              <a:off x="3825387" y="4577139"/>
               <a:ext cx="31606" cy="512639"/>
             </a:xfrm>
             <a:prstGeom prst="straightConnector1">
@@ -4336,7 +4336,7 @@
           </p:nvCxnSpPr>
           <p:spPr>
             <a:xfrm flipH="1">
-              <a:off x="2886377" y="4776861"/>
+              <a:off x="2493817" y="4577139"/>
               <a:ext cx="31606" cy="512639"/>
             </a:xfrm>
             <a:prstGeom prst="straightConnector1">
@@ -4369,7 +4369,7 @@
           </p:nvSpPr>
           <p:spPr>
             <a:xfrm>
-              <a:off x="8192362" y="4152143"/>
+              <a:off x="7799802" y="3952421"/>
               <a:ext cx="698204" cy="369332"/>
             </a:xfrm>
             <a:prstGeom prst="rect">
@@ -4399,7 +4399,7 @@
           </p:nvCxnSpPr>
           <p:spPr>
             <a:xfrm>
-              <a:off x="7539843" y="4369075"/>
+              <a:off x="7147283" y="4169353"/>
               <a:ext cx="652519" cy="0"/>
             </a:xfrm>
             <a:prstGeom prst="straightConnector1">
@@ -4424,40 +4424,40 @@
             </a:fontRef>
           </p:style>
         </p:cxnSp>
+        <p:cxnSp>
+          <p:nvCxnSpPr>
+            <p:cNvPr id="37" name="直線矢印コネクタ 36"/>
+            <p:cNvCxnSpPr/>
+            <p:nvPr/>
+          </p:nvCxnSpPr>
+          <p:spPr>
+            <a:xfrm flipH="1">
+              <a:off x="6564557" y="4577139"/>
+              <a:ext cx="31606" cy="512639"/>
+            </a:xfrm>
+            <a:prstGeom prst="straightConnector1">
+              <a:avLst/>
+            </a:prstGeom>
+            <a:ln>
+              <a:tailEnd type="arrow"/>
+            </a:ln>
+          </p:spPr>
+          <p:style>
+            <a:lnRef idx="2">
+              <a:schemeClr val="accent3"/>
+            </a:lnRef>
+            <a:fillRef idx="0">
+              <a:schemeClr val="accent3"/>
+            </a:fillRef>
+            <a:effectRef idx="1">
+              <a:schemeClr val="accent3"/>
+            </a:effectRef>
+            <a:fontRef idx="minor">
+              <a:schemeClr val="tx1"/>
+            </a:fontRef>
+          </p:style>
+        </p:cxnSp>
       </p:grpSp>
-      <p:cxnSp>
-        <p:nvCxnSpPr>
-          <p:cNvPr id="37" name="直線矢印コネクタ 36"/>
-          <p:cNvCxnSpPr/>
-          <p:nvPr/>
-        </p:nvCxnSpPr>
-        <p:spPr>
-          <a:xfrm flipH="1">
-            <a:off x="6564557" y="4577139"/>
-            <a:ext cx="31606" cy="512639"/>
-          </a:xfrm>
-          <a:prstGeom prst="straightConnector1">
-            <a:avLst/>
-          </a:prstGeom>
-          <a:ln>
-            <a:tailEnd type="arrow"/>
-          </a:ln>
-        </p:spPr>
-        <p:style>
-          <a:lnRef idx="2">
-            <a:schemeClr val="accent3"/>
-          </a:lnRef>
-          <a:fillRef idx="0">
-            <a:schemeClr val="accent3"/>
-          </a:fillRef>
-          <a:effectRef idx="1">
-            <a:schemeClr val="accent3"/>
-          </a:effectRef>
-          <a:fontRef idx="minor">
-            <a:schemeClr val="tx1"/>
-          </a:fontRef>
-        </p:style>
-      </p:cxnSp>
     </p:spTree>
     <p:extLst>
       <p:ext uri="{BB962C8B-B14F-4D97-AF65-F5344CB8AC3E}">
@@ -6724,11 +6724,7 @@
             </a:pPr>
             <a:r>
               <a:rPr kumimoji="1" lang="ja-JP" altLang="en-US" sz="2400" dirty="0" smtClean="0"/>
-              <a:t>　説明のしやすいように線形リスト押しですが，別になんでもいい</a:t>
-            </a:r>
-            <a:r>
-              <a:rPr kumimoji="1" lang="ja-JP" altLang="en-US" sz="2400" dirty="0" smtClean="0"/>
-              <a:t>です</a:t>
+              <a:t>　説明のしやすいように線形リスト押しですが，別になんでもいいです</a:t>
             </a:r>
             <a:endParaRPr kumimoji="1" lang="en-US" altLang="ja-JP" sz="2400" dirty="0" smtClean="0"/>
           </a:p>
@@ -6748,11 +6744,7 @@
             </a:r>
             <a:r>
               <a:rPr lang="ja-JP" altLang="en-US" sz="2400" dirty="0" smtClean="0"/>
-              <a:t>また，手順はヒントの順じゃなくていい</a:t>
-            </a:r>
-            <a:r>
-              <a:rPr lang="ja-JP" altLang="en-US" sz="2400" dirty="0" smtClean="0"/>
-              <a:t>はず</a:t>
+              <a:t>また，手順はヒントの順じゃなくていいはず</a:t>
             </a:r>
             <a:endParaRPr lang="en-US" altLang="ja-JP" sz="2400" dirty="0" smtClean="0"/>
           </a:p>
@@ -6768,11 +6760,7 @@
             </a:pPr>
             <a:r>
               <a:rPr lang="ja-JP" altLang="en-US" sz="2400" dirty="0" smtClean="0"/>
-              <a:t>　今まで習った内容の総復習になりそうです</a:t>
-            </a:r>
-            <a:r>
-              <a:rPr lang="ja-JP" altLang="en-US" sz="2400" dirty="0" smtClean="0"/>
-              <a:t>ね</a:t>
+              <a:t>　今まで習った内容の総復習になりそうですね</a:t>
             </a:r>
             <a:endParaRPr lang="en-US" altLang="ja-JP" sz="2400" dirty="0"/>
           </a:p>
@@ -6812,15 +6800,7 @@
                   <a:srgbClr val="FF0000"/>
                 </a:solidFill>
               </a:rPr>
-              <a:t>して</a:t>
-            </a:r>
-            <a:r>
-              <a:rPr lang="ja-JP" altLang="en-US" sz="2400" smtClean="0">
-                <a:solidFill>
-                  <a:srgbClr val="FF0000"/>
-                </a:solidFill>
-              </a:rPr>
-              <a:t>ください</a:t>
+              <a:t>してください</a:t>
             </a:r>
             <a:endParaRPr lang="en-US" altLang="ja-JP" sz="2400" dirty="0" smtClean="0">
               <a:solidFill>
